--- a/Slides/03. Teclado e Mouse.pptx
+++ b/Slides/03. Teclado e Mouse.pptx
@@ -850,18 +850,18 @@
   <pc:docChgLst>
     <pc:chgData name="Judson Santiago" userId="ebb108da2f256286" providerId="LiveId" clId="{205A1606-18A9-427A-9DE6-16474B43F4C1}"/>
     <pc:docChg chg="undo custSel modSld modMainMaster">
-      <pc:chgData name="Judson Santiago" userId="ebb108da2f256286" providerId="LiveId" clId="{205A1606-18A9-427A-9DE6-16474B43F4C1}" dt="2021-07-25T19:39:49.746" v="1180" actId="21"/>
+      <pc:chgData name="Judson Santiago" userId="ebb108da2f256286" providerId="LiveId" clId="{205A1606-18A9-427A-9DE6-16474B43F4C1}" dt="2021-07-29T04:01:22.682" v="1214" actId="6549"/>
       <pc:docMkLst>
         <pc:docMk/>
       </pc:docMkLst>
-      <pc:sldChg chg="modSp mod">
-        <pc:chgData name="Judson Santiago" userId="ebb108da2f256286" providerId="LiveId" clId="{205A1606-18A9-427A-9DE6-16474B43F4C1}" dt="2021-07-25T16:42:46.449" v="13" actId="403"/>
+      <pc:sldChg chg="modSp mod modNotesTx">
+        <pc:chgData name="Judson Santiago" userId="ebb108da2f256286" providerId="LiveId" clId="{205A1606-18A9-427A-9DE6-16474B43F4C1}" dt="2021-07-29T04:01:22.682" v="1214" actId="6549"/>
         <pc:sldMkLst>
           <pc:docMk/>
           <pc:sldMk cId="0" sldId="256"/>
         </pc:sldMkLst>
         <pc:spChg chg="mod">
-          <ac:chgData name="Judson Santiago" userId="ebb108da2f256286" providerId="LiveId" clId="{205A1606-18A9-427A-9DE6-16474B43F4C1}" dt="2021-07-25T16:42:46.449" v="13" actId="403"/>
+          <ac:chgData name="Judson Santiago" userId="ebb108da2f256286" providerId="LiveId" clId="{205A1606-18A9-427A-9DE6-16474B43F4C1}" dt="2021-07-29T04:01:22.682" v="1214" actId="6549"/>
           <ac:spMkLst>
             <pc:docMk/>
             <pc:sldMk cId="0" sldId="256"/>
@@ -3202,7 +3202,7 @@
             <a:fld id="{4C457FC9-8E1D-4A40-BFF1-0E630693B1AB}" type="datetimeFigureOut">
               <a:rPr lang="pt-BR" smtClean="0"/>
               <a:pPr/>
-              <a:t>25/07/2021</a:t>
+              <a:t>29/07/2021</a:t>
             </a:fld>
             <a:endParaRPr lang="pt-BR"/>
           </a:p>
@@ -3518,7 +3518,39 @@
           <a:p>
             <a:r>
               <a:rPr lang="pt-BR" dirty="0"/>
-              <a:t>Sem interatividade um jogo se torna uma brincadeira, estória ou filme.</a:t>
+              <a:t>Tratamento de teclado e mouse no sistema operacional Windows: </a:t>
+            </a:r>
+            <a:r>
+              <a:rPr lang="pt-BR" dirty="0" err="1"/>
+              <a:t>scan</a:t>
+            </a:r>
+            <a:r>
+              <a:rPr lang="pt-BR" dirty="0"/>
+              <a:t> </a:t>
+            </a:r>
+            <a:r>
+              <a:rPr lang="pt-BR" dirty="0" err="1"/>
+              <a:t>code</a:t>
+            </a:r>
+            <a:r>
+              <a:rPr lang="pt-BR" dirty="0"/>
+              <a:t> e virtual-</a:t>
+            </a:r>
+            <a:r>
+              <a:rPr lang="pt-BR" dirty="0" err="1"/>
+              <a:t>key</a:t>
+            </a:r>
+            <a:r>
+              <a:rPr lang="pt-BR" dirty="0"/>
+              <a:t> </a:t>
+            </a:r>
+            <a:r>
+              <a:rPr lang="pt-BR" dirty="0" err="1"/>
+              <a:t>code</a:t>
+            </a:r>
+            <a:r>
+              <a:rPr lang="pt-BR" dirty="0"/>
+              <a:t>. Foco e ativação de janelas. Captura do pressionamento de teclas. Leitura de caracteres. Captura da posição e estado dos botões do mouse.</a:t>
             </a:r>
           </a:p>
         </p:txBody>
@@ -3530,7 +3562,7 @@
             <a:spLocks noGrp="1"/>
           </p:cNvSpPr>
           <p:nvPr>
-            <p:ph type="sldNum" sz="quarter" idx="10"/>
+            <p:ph type="sldNum" sz="quarter" idx="5"/>
           </p:nvPr>
         </p:nvSpPr>
         <p:spPr/>
@@ -3541,7 +3573,7 @@
             <a:fld id="{EF334A8D-C5BE-432D-90D0-92D67DD437AB}" type="slidenum">
               <a:rPr lang="pt-BR" smtClean="0"/>
               <a:pPr/>
-              <a:t>2</a:t>
+              <a:t>1</a:t>
             </a:fld>
             <a:endParaRPr lang="pt-BR"/>
           </a:p>
@@ -3550,7 +3582,139 @@
     </p:spTree>
     <p:extLst>
       <p:ext uri="{BB962C8B-B14F-4D97-AF65-F5344CB8AC3E}">
-        <p14:creationId xmlns:p14="http://schemas.microsoft.com/office/powerpoint/2010/main" val="784567943"/>
+        <p14:creationId xmlns:p14="http://schemas.microsoft.com/office/powerpoint/2010/main" val="4148647353"/>
+      </p:ext>
+    </p:extLst>
+  </p:cSld>
+  <p:clrMapOvr>
+    <a:masterClrMapping/>
+  </p:clrMapOvr>
+</p:notes>
+</file>
+
+<file path=ppt/notesSlides/notesSlide10.xml><?xml version="1.0" encoding="utf-8"?>
+<p:notes xmlns:a="http://schemas.openxmlformats.org/drawingml/2006/main" xmlns:r="http://schemas.openxmlformats.org/officeDocument/2006/relationships" xmlns:p="http://schemas.openxmlformats.org/presentationml/2006/main">
+  <p:cSld>
+    <p:spTree>
+      <p:nvGrpSpPr>
+        <p:cNvPr id="1" name=""/>
+        <p:cNvGrpSpPr/>
+        <p:nvPr/>
+      </p:nvGrpSpPr>
+      <p:grpSpPr>
+        <a:xfrm>
+          <a:off x="0" y="0"/>
+          <a:ext cx="0" cy="0"/>
+          <a:chOff x="0" y="0"/>
+          <a:chExt cx="0" cy="0"/>
+        </a:xfrm>
+      </p:grpSpPr>
+      <p:sp>
+        <p:nvSpPr>
+          <p:cNvPr id="2" name="Espaço Reservado para Imagem de Slide 1"/>
+          <p:cNvSpPr>
+            <a:spLocks noGrp="1" noRot="1" noChangeAspect="1"/>
+          </p:cNvSpPr>
+          <p:nvPr>
+            <p:ph type="sldImg"/>
+          </p:nvPr>
+        </p:nvSpPr>
+        <p:spPr/>
+      </p:sp>
+      <p:sp>
+        <p:nvSpPr>
+          <p:cNvPr id="3" name="Espaço Reservado para Anotações 2"/>
+          <p:cNvSpPr>
+            <a:spLocks noGrp="1"/>
+          </p:cNvSpPr>
+          <p:nvPr>
+            <p:ph type="body" idx="1"/>
+          </p:nvPr>
+        </p:nvSpPr>
+        <p:spPr/>
+        <p:txBody>
+          <a:bodyPr/>
+          <a:lstStyle/>
+          <a:p>
+            <a:pPr marL="0" marR="0" lvl="0" indent="0" algn="l" defTabSz="914400" rtl="0" eaLnBrk="1" fontAlgn="auto" latinLnBrk="0" hangingPunct="1">
+              <a:lnSpc>
+                <a:spcPct val="100000"/>
+              </a:lnSpc>
+              <a:spcBef>
+                <a:spcPts val="0"/>
+              </a:spcBef>
+              <a:spcAft>
+                <a:spcPts val="0"/>
+              </a:spcAft>
+              <a:buClrTx/>
+              <a:buSzTx/>
+              <a:buFontTx/>
+              <a:buNone/>
+              <a:tabLst/>
+              <a:defRPr/>
+            </a:pPr>
+            <a:r>
+              <a:rPr lang="pt-BR" sz="1200" dirty="0">
+                <a:solidFill>
+                  <a:schemeClr val="bg1"/>
+                </a:solidFill>
+              </a:rPr>
+              <a:t>» Mostrar o projeto </a:t>
+            </a:r>
+            <a:r>
+              <a:rPr lang="pt-BR" sz="1200" b="1" dirty="0" err="1">
+                <a:solidFill>
+                  <a:schemeClr val="bg1"/>
+                </a:solidFill>
+              </a:rPr>
+              <a:t>InputMouse</a:t>
+            </a:r>
+            <a:r>
+              <a:rPr lang="pt-BR" sz="1200" b="1" dirty="0">
+                <a:solidFill>
+                  <a:schemeClr val="bg1"/>
+                </a:solidFill>
+              </a:rPr>
+              <a:t>: </a:t>
+            </a:r>
+            <a:r>
+              <a:rPr lang="pt-BR" dirty="0"/>
+              <a:t>exemplifica o tratamento do mouse</a:t>
+            </a:r>
+          </a:p>
+          <a:p>
+            <a:endParaRPr lang="pt-BR" dirty="0"/>
+          </a:p>
+        </p:txBody>
+      </p:sp>
+      <p:sp>
+        <p:nvSpPr>
+          <p:cNvPr id="4" name="Espaço Reservado para Número de Slide 3"/>
+          <p:cNvSpPr>
+            <a:spLocks noGrp="1"/>
+          </p:cNvSpPr>
+          <p:nvPr>
+            <p:ph type="sldNum" sz="quarter" idx="5"/>
+          </p:nvPr>
+        </p:nvSpPr>
+        <p:spPr/>
+        <p:txBody>
+          <a:bodyPr/>
+          <a:lstStyle/>
+          <a:p>
+            <a:fld id="{EF334A8D-C5BE-432D-90D0-92D67DD437AB}" type="slidenum">
+              <a:rPr lang="pt-BR" smtClean="0"/>
+              <a:pPr/>
+              <a:t>12</a:t>
+            </a:fld>
+            <a:endParaRPr lang="pt-BR"/>
+          </a:p>
+        </p:txBody>
+      </p:sp>
+    </p:spTree>
+    <p:extLst>
+      <p:ext uri="{BB962C8B-B14F-4D97-AF65-F5344CB8AC3E}">
+        <p14:creationId xmlns:p14="http://schemas.microsoft.com/office/powerpoint/2010/main" val="1432702765"/>
       </p:ext>
     </p:extLst>
   </p:cSld>
@@ -3606,7 +3770,7 @@
           <a:p>
             <a:r>
               <a:rPr lang="pt-BR" dirty="0"/>
-              <a:t>Nós vamos focar por enquanto no PC e aprender a lidar com o teclado e mouse.</a:t>
+              <a:t>Sem interatividade um jogo se torna uma brincadeira, estória ou filme.</a:t>
             </a:r>
           </a:p>
         </p:txBody>
@@ -3618,7 +3782,7 @@
             <a:spLocks noGrp="1"/>
           </p:cNvSpPr>
           <p:nvPr>
-            <p:ph type="sldNum" sz="quarter" idx="5"/>
+            <p:ph type="sldNum" sz="quarter" idx="10"/>
           </p:nvPr>
         </p:nvSpPr>
         <p:spPr/>
@@ -3629,7 +3793,7 @@
             <a:fld id="{EF334A8D-C5BE-432D-90D0-92D67DD437AB}" type="slidenum">
               <a:rPr lang="pt-BR" smtClean="0"/>
               <a:pPr/>
-              <a:t>3</a:t>
+              <a:t>2</a:t>
             </a:fld>
             <a:endParaRPr lang="pt-BR"/>
           </a:p>
@@ -3638,7 +3802,7 @@
     </p:spTree>
     <p:extLst>
       <p:ext uri="{BB962C8B-B14F-4D97-AF65-F5344CB8AC3E}">
-        <p14:creationId xmlns:p14="http://schemas.microsoft.com/office/powerpoint/2010/main" val="1537244973"/>
+        <p14:creationId xmlns:p14="http://schemas.microsoft.com/office/powerpoint/2010/main" val="784567943"/>
       </p:ext>
     </p:extLst>
   </p:cSld>
@@ -3694,7 +3858,7 @@
           <a:p>
             <a:r>
               <a:rPr lang="pt-BR" dirty="0"/>
-              <a:t>Esse driver é genérico para teclados simples (comuns).</a:t>
+              <a:t>Nós vamos focar por enquanto no PC e aprender a lidar com o teclado e mouse.</a:t>
             </a:r>
           </a:p>
         </p:txBody>
@@ -3717,7 +3881,7 @@
             <a:fld id="{EF334A8D-C5BE-432D-90D0-92D67DD437AB}" type="slidenum">
               <a:rPr lang="pt-BR" smtClean="0"/>
               <a:pPr/>
-              <a:t>4</a:t>
+              <a:t>3</a:t>
             </a:fld>
             <a:endParaRPr lang="pt-BR"/>
           </a:p>
@@ -3726,7 +3890,7 @@
     </p:spTree>
     <p:extLst>
       <p:ext uri="{BB962C8B-B14F-4D97-AF65-F5344CB8AC3E}">
-        <p14:creationId xmlns:p14="http://schemas.microsoft.com/office/powerpoint/2010/main" val="1917708657"/>
+        <p14:creationId xmlns:p14="http://schemas.microsoft.com/office/powerpoint/2010/main" val="1537244973"/>
       </p:ext>
     </p:extLst>
   </p:cSld>
@@ -3782,45 +3946,7 @@
           <a:p>
             <a:r>
               <a:rPr lang="pt-BR" dirty="0"/>
-              <a:t>O teclado gera dois </a:t>
-            </a:r>
-            <a:r>
-              <a:rPr lang="pt-BR" i="1" dirty="0" err="1"/>
-              <a:t>scan</a:t>
-            </a:r>
-            <a:r>
-              <a:rPr lang="pt-BR" i="1" dirty="0"/>
-              <a:t> </a:t>
-            </a:r>
-            <a:r>
-              <a:rPr lang="pt-BR" i="1" dirty="0" err="1"/>
-              <a:t>codes</a:t>
-            </a:r>
-            <a:r>
-              <a:rPr lang="pt-BR" baseline="0" dirty="0"/>
-              <a:t> com cada pressionamento de tecla (um quando a tecla é pressionada e outro quando é liberada). </a:t>
-            </a:r>
-          </a:p>
-          <a:p>
-            <a:r>
-              <a:rPr lang="pt-BR" dirty="0"/>
-              <a:t>Os virtual-</a:t>
-            </a:r>
-            <a:r>
-              <a:rPr lang="pt-BR" dirty="0" err="1"/>
-              <a:t>key</a:t>
-            </a:r>
-            <a:r>
-              <a:rPr lang="pt-BR" dirty="0"/>
-              <a:t> </a:t>
-            </a:r>
-            <a:r>
-              <a:rPr lang="pt-BR" dirty="0" err="1"/>
-              <a:t>codes</a:t>
-            </a:r>
-            <a:r>
-              <a:rPr lang="pt-BR" dirty="0"/>
-              <a:t> definem o propósito da tecla e são independentes do dispositivo.</a:t>
+              <a:t>Esse driver é genérico para teclados simples (comuns).</a:t>
             </a:r>
           </a:p>
         </p:txBody>
@@ -3832,7 +3958,7 @@
             <a:spLocks noGrp="1"/>
           </p:cNvSpPr>
           <p:nvPr>
-            <p:ph type="sldNum" sz="quarter" idx="10"/>
+            <p:ph type="sldNum" sz="quarter" idx="5"/>
           </p:nvPr>
         </p:nvSpPr>
         <p:spPr/>
@@ -3843,7 +3969,7 @@
             <a:fld id="{EF334A8D-C5BE-432D-90D0-92D67DD437AB}" type="slidenum">
               <a:rPr lang="pt-BR" smtClean="0"/>
               <a:pPr/>
-              <a:t>5</a:t>
+              <a:t>4</a:t>
             </a:fld>
             <a:endParaRPr lang="pt-BR"/>
           </a:p>
@@ -3852,7 +3978,7 @@
     </p:spTree>
     <p:extLst>
       <p:ext uri="{BB962C8B-B14F-4D97-AF65-F5344CB8AC3E}">
-        <p14:creationId xmlns:p14="http://schemas.microsoft.com/office/powerpoint/2010/main" val="1680115678"/>
+        <p14:creationId xmlns:p14="http://schemas.microsoft.com/office/powerpoint/2010/main" val="1917708657"/>
       </p:ext>
     </p:extLst>
   </p:cSld>
@@ -3969,7 +4095,7 @@
             <a:fld id="{EF334A8D-C5BE-432D-90D0-92D67DD437AB}" type="slidenum">
               <a:rPr lang="pt-BR" smtClean="0"/>
               <a:pPr/>
-              <a:t>6</a:t>
+              <a:t>5</a:t>
             </a:fld>
             <a:endParaRPr lang="pt-BR"/>
           </a:p>
@@ -3978,7 +4104,7 @@
     </p:spTree>
     <p:extLst>
       <p:ext uri="{BB962C8B-B14F-4D97-AF65-F5344CB8AC3E}">
-        <p14:creationId xmlns:p14="http://schemas.microsoft.com/office/powerpoint/2010/main" val="2953120563"/>
+        <p14:creationId xmlns:p14="http://schemas.microsoft.com/office/powerpoint/2010/main" val="1680115678"/>
       </p:ext>
     </p:extLst>
   </p:cSld>
@@ -4034,30 +4160,46 @@
           <a:p>
             <a:r>
               <a:rPr lang="pt-BR" dirty="0"/>
-              <a:t>- As mensagens de sistema</a:t>
+              <a:t>O teclado gera dois </a:t>
+            </a:r>
+            <a:r>
+              <a:rPr lang="pt-BR" i="1" dirty="0" err="1"/>
+              <a:t>scan</a:t>
+            </a:r>
+            <a:r>
+              <a:rPr lang="pt-BR" i="1" dirty="0"/>
+              <a:t> </a:t>
+            </a:r>
+            <a:r>
+              <a:rPr lang="pt-BR" i="1" dirty="0" err="1"/>
+              <a:t>codes</a:t>
             </a:r>
             <a:r>
               <a:rPr lang="pt-BR" baseline="0" dirty="0"/>
-              <a:t> são geradas quando o usuário faz uso da tecla </a:t>
-            </a:r>
-            <a:r>
-              <a:rPr lang="pt-BR" baseline="0" dirty="0" err="1"/>
-              <a:t>Alt</a:t>
-            </a:r>
-            <a:r>
-              <a:rPr lang="pt-BR" baseline="0" dirty="0"/>
-              <a:t> ou quando nenhuma janela possui o foco (todas minimizadas por exemplo).</a:t>
-            </a:r>
-          </a:p>
-          <a:p>
-            <a:r>
-              <a:rPr lang="pt-BR" baseline="0" dirty="0"/>
-              <a:t>- Segurar uma tecla além do tempo de repetição causa a geração de várias mensagens KEYDOWN e apenas uma KEYUP.</a:t>
-            </a:r>
-            <a:endParaRPr lang="pt-BR" dirty="0"/>
-          </a:p>
-          <a:p>
-            <a:endParaRPr lang="pt-BR" dirty="0"/>
+              <a:t> com cada pressionamento de tecla (um quando a tecla é pressionada e outro quando é liberada). </a:t>
+            </a:r>
+          </a:p>
+          <a:p>
+            <a:r>
+              <a:rPr lang="pt-BR" dirty="0"/>
+              <a:t>Os virtual-</a:t>
+            </a:r>
+            <a:r>
+              <a:rPr lang="pt-BR" dirty="0" err="1"/>
+              <a:t>key</a:t>
+            </a:r>
+            <a:r>
+              <a:rPr lang="pt-BR" dirty="0"/>
+              <a:t> </a:t>
+            </a:r>
+            <a:r>
+              <a:rPr lang="pt-BR" dirty="0" err="1"/>
+              <a:t>codes</a:t>
+            </a:r>
+            <a:r>
+              <a:rPr lang="pt-BR" dirty="0"/>
+              <a:t> definem o propósito da tecla e são independentes do dispositivo.</a:t>
+            </a:r>
           </a:p>
         </p:txBody>
       </p:sp>
@@ -4079,7 +4221,7 @@
             <a:fld id="{EF334A8D-C5BE-432D-90D0-92D67DD437AB}" type="slidenum">
               <a:rPr lang="pt-BR" smtClean="0"/>
               <a:pPr/>
-              <a:t>9</a:t>
+              <a:t>6</a:t>
             </a:fld>
             <a:endParaRPr lang="pt-BR"/>
           </a:p>
@@ -4088,7 +4230,7 @@
     </p:spTree>
     <p:extLst>
       <p:ext uri="{BB962C8B-B14F-4D97-AF65-F5344CB8AC3E}">
-        <p14:creationId xmlns:p14="http://schemas.microsoft.com/office/powerpoint/2010/main" val="394215699"/>
+        <p14:creationId xmlns:p14="http://schemas.microsoft.com/office/powerpoint/2010/main" val="2953120563"/>
       </p:ext>
     </p:extLst>
   </p:cSld>
@@ -4142,52 +4284,32 @@
           <a:bodyPr/>
           <a:lstStyle/>
           <a:p>
-            <a:pPr marL="0" marR="0" lvl="0" indent="0" algn="l" defTabSz="914400" rtl="0" eaLnBrk="1" fontAlgn="auto" latinLnBrk="0" hangingPunct="1">
-              <a:lnSpc>
-                <a:spcPct val="100000"/>
-              </a:lnSpc>
-              <a:spcBef>
-                <a:spcPts val="0"/>
-              </a:spcBef>
-              <a:spcAft>
-                <a:spcPts val="0"/>
-              </a:spcAft>
-              <a:buClrTx/>
-              <a:buSzTx/>
-              <a:buFontTx/>
-              <a:buNone/>
-              <a:tabLst/>
-              <a:defRPr/>
-            </a:pPr>
-            <a:r>
-              <a:rPr lang="pt-BR" sz="1200" dirty="0">
-                <a:solidFill>
-                  <a:schemeClr val="bg1"/>
-                </a:solidFill>
-              </a:rPr>
-              <a:t>» Mostrar o projeto </a:t>
-            </a:r>
-            <a:r>
-              <a:rPr lang="pt-BR" sz="1200" b="1" dirty="0" err="1">
-                <a:solidFill>
-                  <a:schemeClr val="bg1"/>
-                </a:solidFill>
-              </a:rPr>
-              <a:t>InputKeys</a:t>
-            </a:r>
-            <a:r>
-              <a:rPr lang="pt-BR" sz="1200" b="1" dirty="0">
-                <a:solidFill>
-                  <a:schemeClr val="bg1"/>
-                </a:solidFill>
-              </a:rPr>
-              <a:t>: </a:t>
-            </a:r>
             <a:r>
               <a:rPr lang="pt-BR" dirty="0"/>
-              <a:t>exemplifica o pressionamento das teclas ENTER, SPACE, ESC, CTRL, UP, DOWN, LEFT, RIGHT e a mudança de foco da janela</a:t>
-            </a:r>
-            <a:endParaRPr lang="pt-BR" b="1" dirty="0"/>
+              <a:t>- As mensagens de sistema</a:t>
+            </a:r>
+            <a:r>
+              <a:rPr lang="pt-BR" baseline="0" dirty="0"/>
+              <a:t> são geradas quando o usuário faz uso da tecla </a:t>
+            </a:r>
+            <a:r>
+              <a:rPr lang="pt-BR" baseline="0" dirty="0" err="1"/>
+              <a:t>Alt</a:t>
+            </a:r>
+            <a:r>
+              <a:rPr lang="pt-BR" baseline="0" dirty="0"/>
+              <a:t> ou quando nenhuma janela possui o foco (todas minimizadas por exemplo).</a:t>
+            </a:r>
+          </a:p>
+          <a:p>
+            <a:r>
+              <a:rPr lang="pt-BR" baseline="0" dirty="0"/>
+              <a:t>- Segurar uma tecla além do tempo de repetição causa a geração de várias mensagens KEYDOWN e apenas uma KEYUP.</a:t>
+            </a:r>
+            <a:endParaRPr lang="pt-BR" dirty="0"/>
+          </a:p>
+          <a:p>
+            <a:endParaRPr lang="pt-BR" dirty="0"/>
           </a:p>
         </p:txBody>
       </p:sp>
@@ -4209,7 +4331,7 @@
             <a:fld id="{EF334A8D-C5BE-432D-90D0-92D67DD437AB}" type="slidenum">
               <a:rPr lang="pt-BR" smtClean="0"/>
               <a:pPr/>
-              <a:t>10</a:t>
+              <a:t>9</a:t>
             </a:fld>
             <a:endParaRPr lang="pt-BR"/>
           </a:p>
@@ -4218,7 +4340,7 @@
     </p:spTree>
     <p:extLst>
       <p:ext uri="{BB962C8B-B14F-4D97-AF65-F5344CB8AC3E}">
-        <p14:creationId xmlns:p14="http://schemas.microsoft.com/office/powerpoint/2010/main" val="1077057183"/>
+        <p14:creationId xmlns:p14="http://schemas.microsoft.com/office/powerpoint/2010/main" val="394215699"/>
       </p:ext>
     </p:extLst>
   </p:cSld>
@@ -4303,7 +4425,7 @@
                   <a:schemeClr val="bg1"/>
                 </a:solidFill>
               </a:rPr>
-              <a:t>InputText</a:t>
+              <a:t>InputKeys</a:t>
             </a:r>
             <a:r>
               <a:rPr lang="pt-BR" sz="1200" b="1" dirty="0">
@@ -4315,8 +4437,9 @@
             </a:r>
             <a:r>
               <a:rPr lang="pt-BR" dirty="0"/>
-              <a:t>exemplifica o tratamento das mensagens WM_CHAR exibindo em tela o que é digitado pelo teclado.</a:t>
-            </a:r>
+              <a:t>exemplifica o pressionamento das teclas ENTER, SPACE, ESC, CTRL, UP, DOWN, LEFT, RIGHT e a mudança de foco da janela</a:t>
+            </a:r>
+            <a:endParaRPr lang="pt-BR" b="1" dirty="0"/>
           </a:p>
         </p:txBody>
       </p:sp>
@@ -4327,7 +4450,7 @@
             <a:spLocks noGrp="1"/>
           </p:cNvSpPr>
           <p:nvPr>
-            <p:ph type="sldNum" sz="quarter" idx="5"/>
+            <p:ph type="sldNum" sz="quarter" idx="10"/>
           </p:nvPr>
         </p:nvSpPr>
         <p:spPr/>
@@ -4338,7 +4461,7 @@
             <a:fld id="{EF334A8D-C5BE-432D-90D0-92D67DD437AB}" type="slidenum">
               <a:rPr lang="pt-BR" smtClean="0"/>
               <a:pPr/>
-              <a:t>11</a:t>
+              <a:t>10</a:t>
             </a:fld>
             <a:endParaRPr lang="pt-BR"/>
           </a:p>
@@ -4347,7 +4470,7 @@
     </p:spTree>
     <p:extLst>
       <p:ext uri="{BB962C8B-B14F-4D97-AF65-F5344CB8AC3E}">
-        <p14:creationId xmlns:p14="http://schemas.microsoft.com/office/powerpoint/2010/main" val="157600849"/>
+        <p14:creationId xmlns:p14="http://schemas.microsoft.com/office/powerpoint/2010/main" val="1077057183"/>
       </p:ext>
     </p:extLst>
   </p:cSld>
@@ -4432,7 +4555,7 @@
                   <a:schemeClr val="bg1"/>
                 </a:solidFill>
               </a:rPr>
-              <a:t>InputMouse</a:t>
+              <a:t>InputText</a:t>
             </a:r>
             <a:r>
               <a:rPr lang="pt-BR" sz="1200" b="1" dirty="0">
@@ -4444,11 +4567,8 @@
             </a:r>
             <a:r>
               <a:rPr lang="pt-BR" dirty="0"/>
-              <a:t>exemplifica o tratamento do mouse</a:t>
-            </a:r>
-          </a:p>
-          <a:p>
-            <a:endParaRPr lang="pt-BR" dirty="0"/>
+              <a:t>exemplifica o tratamento das mensagens WM_CHAR exibindo em tela o que é digitado pelo teclado.</a:t>
+            </a:r>
           </a:p>
         </p:txBody>
       </p:sp>
@@ -4470,7 +4590,7 @@
             <a:fld id="{EF334A8D-C5BE-432D-90D0-92D67DD437AB}" type="slidenum">
               <a:rPr lang="pt-BR" smtClean="0"/>
               <a:pPr/>
-              <a:t>12</a:t>
+              <a:t>11</a:t>
             </a:fld>
             <a:endParaRPr lang="pt-BR"/>
           </a:p>
@@ -4479,7 +4599,7 @@
     </p:spTree>
     <p:extLst>
       <p:ext uri="{BB962C8B-B14F-4D97-AF65-F5344CB8AC3E}">
-        <p14:creationId xmlns:p14="http://schemas.microsoft.com/office/powerpoint/2010/main" val="1432702765"/>
+        <p14:creationId xmlns:p14="http://schemas.microsoft.com/office/powerpoint/2010/main" val="157600849"/>
       </p:ext>
     </p:extLst>
   </p:cSld>
@@ -5426,7 +5546,7 @@
             <a:fld id="{B41ABA4E-CD72-497B-97AA-7213B3980F60}" type="datetimeFigureOut">
               <a:rPr lang="en-US" smtClean="0"/>
               <a:pPr/>
-              <a:t>7/25/2021</a:t>
+              <a:t>7/29/2021</a:t>
             </a:fld>
             <a:endParaRPr lang="en-US" dirty="0"/>
           </a:p>
@@ -5603,7 +5723,7 @@
             <a:fld id="{B41ABA4E-CD72-497B-97AA-7213B3980F60}" type="datetimeFigureOut">
               <a:rPr lang="en-US" smtClean="0"/>
               <a:pPr/>
-              <a:t>7/25/2021</a:t>
+              <a:t>7/29/2021</a:t>
             </a:fld>
             <a:endParaRPr lang="en-US" dirty="0"/>
           </a:p>
@@ -5799,7 +5919,7 @@
             <a:fld id="{B41ABA4E-CD72-497B-97AA-7213B3980F60}" type="datetimeFigureOut">
               <a:rPr lang="en-US" smtClean="0"/>
               <a:pPr/>
-              <a:t>7/25/2021</a:t>
+              <a:t>7/29/2021</a:t>
             </a:fld>
             <a:endParaRPr lang="en-US" dirty="0"/>
           </a:p>
@@ -6060,7 +6180,7 @@
             <a:fld id="{B41ABA4E-CD72-497B-97AA-7213B3980F60}" type="datetimeFigureOut">
               <a:rPr lang="en-US" smtClean="0"/>
               <a:pPr/>
-              <a:t>7/25/2021</a:t>
+              <a:t>7/29/2021</a:t>
             </a:fld>
             <a:endParaRPr lang="en-US" dirty="0"/>
           </a:p>
@@ -6461,7 +6581,7 @@
             <a:fld id="{B41ABA4E-CD72-497B-97AA-7213B3980F60}" type="datetimeFigureOut">
               <a:rPr lang="en-US" smtClean="0"/>
               <a:pPr/>
-              <a:t>7/25/2021</a:t>
+              <a:t>7/29/2021</a:t>
             </a:fld>
             <a:endParaRPr lang="en-US" dirty="0"/>
           </a:p>
@@ -6901,7 +7021,7 @@
             <a:fld id="{B41ABA4E-CD72-497B-97AA-7213B3980F60}" type="datetimeFigureOut">
               <a:rPr lang="en-US" smtClean="0"/>
               <a:pPr/>
-              <a:t>7/25/2021</a:t>
+              <a:t>7/29/2021</a:t>
             </a:fld>
             <a:endParaRPr lang="en-US" dirty="0"/>
           </a:p>
@@ -6998,7 +7118,7 @@
             <a:fld id="{B41ABA4E-CD72-497B-97AA-7213B3980F60}" type="datetimeFigureOut">
               <a:rPr lang="en-US" smtClean="0"/>
               <a:pPr/>
-              <a:t>7/25/2021</a:t>
+              <a:t>7/29/2021</a:t>
             </a:fld>
             <a:endParaRPr lang="en-US" dirty="0"/>
           </a:p>
@@ -7113,7 +7233,7 @@
             <a:fld id="{B41ABA4E-CD72-497B-97AA-7213B3980F60}" type="datetimeFigureOut">
               <a:rPr lang="en-US" smtClean="0"/>
               <a:pPr/>
-              <a:t>7/25/2021</a:t>
+              <a:t>7/29/2021</a:t>
             </a:fld>
             <a:endParaRPr lang="en-US" dirty="0"/>
           </a:p>
@@ -7383,7 +7503,7 @@
             <a:fld id="{B41ABA4E-CD72-497B-97AA-7213B3980F60}" type="datetimeFigureOut">
               <a:rPr lang="en-US" smtClean="0"/>
               <a:pPr/>
-              <a:t>7/25/2021</a:t>
+              <a:t>7/29/2021</a:t>
             </a:fld>
             <a:endParaRPr lang="en-US" dirty="0"/>
           </a:p>
@@ -7586,7 +7706,7 @@
             <a:fld id="{B41ABA4E-CD72-497B-97AA-7213B3980F60}" type="datetimeFigureOut">
               <a:rPr lang="en-US" smtClean="0"/>
               <a:pPr/>
-              <a:t>7/25/2021</a:t>
+              <a:t>7/29/2021</a:t>
             </a:fld>
             <a:endParaRPr lang="en-US" dirty="0"/>
           </a:p>
@@ -8781,7 +8901,7 @@
             <a:fld id="{B41ABA4E-CD72-497B-97AA-7213B3980F60}" type="datetimeFigureOut">
               <a:rPr lang="en-US" smtClean="0"/>
               <a:pPr/>
-              <a:t>7/25/2021</a:t>
+              <a:t>7/29/2021</a:t>
             </a:fld>
             <a:endParaRPr lang="en-US" dirty="0"/>
           </a:p>
@@ -9251,7 +9371,7 @@
                   </a:schemeClr>
                 </a:solidFill>
               </a:rPr>
-              <a:t>Desenvolvimento de Jogos</a:t>
+              <a:t>Programação de Jogos</a:t>
             </a:r>
           </a:p>
         </p:txBody>
